--- a/Planning/Planning.pptx
+++ b/Planning/Planning.pptx
@@ -244,7 +244,7 @@
           <a:p>
             <a:fld id="{0221EFB4-25B7-4FED-9942-530A6A897943}" type="datetimeFigureOut">
               <a:rPr lang="en-AU" smtClean="0"/>
-              <a:t>29/07/2016</a:t>
+              <a:t>30/07/2016</a:t>
             </a:fld>
             <a:endParaRPr lang="en-AU"/>
           </a:p>
@@ -414,7 +414,7 @@
           <a:p>
             <a:fld id="{0221EFB4-25B7-4FED-9942-530A6A897943}" type="datetimeFigureOut">
               <a:rPr lang="en-AU" smtClean="0"/>
-              <a:t>29/07/2016</a:t>
+              <a:t>30/07/2016</a:t>
             </a:fld>
             <a:endParaRPr lang="en-AU"/>
           </a:p>
@@ -594,7 +594,7 @@
           <a:p>
             <a:fld id="{0221EFB4-25B7-4FED-9942-530A6A897943}" type="datetimeFigureOut">
               <a:rPr lang="en-AU" smtClean="0"/>
-              <a:t>29/07/2016</a:t>
+              <a:t>30/07/2016</a:t>
             </a:fld>
             <a:endParaRPr lang="en-AU"/>
           </a:p>
@@ -764,7 +764,7 @@
           <a:p>
             <a:fld id="{0221EFB4-25B7-4FED-9942-530A6A897943}" type="datetimeFigureOut">
               <a:rPr lang="en-AU" smtClean="0"/>
-              <a:t>29/07/2016</a:t>
+              <a:t>30/07/2016</a:t>
             </a:fld>
             <a:endParaRPr lang="en-AU"/>
           </a:p>
@@ -1010,7 +1010,7 @@
           <a:p>
             <a:fld id="{0221EFB4-25B7-4FED-9942-530A6A897943}" type="datetimeFigureOut">
               <a:rPr lang="en-AU" smtClean="0"/>
-              <a:t>29/07/2016</a:t>
+              <a:t>30/07/2016</a:t>
             </a:fld>
             <a:endParaRPr lang="en-AU"/>
           </a:p>
@@ -1242,7 +1242,7 @@
           <a:p>
             <a:fld id="{0221EFB4-25B7-4FED-9942-530A6A897943}" type="datetimeFigureOut">
               <a:rPr lang="en-AU" smtClean="0"/>
-              <a:t>29/07/2016</a:t>
+              <a:t>30/07/2016</a:t>
             </a:fld>
             <a:endParaRPr lang="en-AU"/>
           </a:p>
@@ -1609,7 +1609,7 @@
           <a:p>
             <a:fld id="{0221EFB4-25B7-4FED-9942-530A6A897943}" type="datetimeFigureOut">
               <a:rPr lang="en-AU" smtClean="0"/>
-              <a:t>29/07/2016</a:t>
+              <a:t>30/07/2016</a:t>
             </a:fld>
             <a:endParaRPr lang="en-AU"/>
           </a:p>
@@ -1727,7 +1727,7 @@
           <a:p>
             <a:fld id="{0221EFB4-25B7-4FED-9942-530A6A897943}" type="datetimeFigureOut">
               <a:rPr lang="en-AU" smtClean="0"/>
-              <a:t>29/07/2016</a:t>
+              <a:t>30/07/2016</a:t>
             </a:fld>
             <a:endParaRPr lang="en-AU"/>
           </a:p>
@@ -1822,7 +1822,7 @@
           <a:p>
             <a:fld id="{0221EFB4-25B7-4FED-9942-530A6A897943}" type="datetimeFigureOut">
               <a:rPr lang="en-AU" smtClean="0"/>
-              <a:t>29/07/2016</a:t>
+              <a:t>30/07/2016</a:t>
             </a:fld>
             <a:endParaRPr lang="en-AU"/>
           </a:p>
@@ -2099,7 +2099,7 @@
           <a:p>
             <a:fld id="{0221EFB4-25B7-4FED-9942-530A6A897943}" type="datetimeFigureOut">
               <a:rPr lang="en-AU" smtClean="0"/>
-              <a:t>29/07/2016</a:t>
+              <a:t>30/07/2016</a:t>
             </a:fld>
             <a:endParaRPr lang="en-AU"/>
           </a:p>
@@ -2352,7 +2352,7 @@
           <a:p>
             <a:fld id="{0221EFB4-25B7-4FED-9942-530A6A897943}" type="datetimeFigureOut">
               <a:rPr lang="en-AU" smtClean="0"/>
-              <a:t>29/07/2016</a:t>
+              <a:t>30/07/2016</a:t>
             </a:fld>
             <a:endParaRPr lang="en-AU"/>
           </a:p>
@@ -2565,7 +2565,7 @@
           <a:p>
             <a:fld id="{0221EFB4-25B7-4FED-9942-530A6A897943}" type="datetimeFigureOut">
               <a:rPr lang="en-AU" smtClean="0"/>
-              <a:t>29/07/2016</a:t>
+              <a:t>30/07/2016</a:t>
             </a:fld>
             <a:endParaRPr lang="en-AU"/>
           </a:p>
@@ -3078,7 +3078,7 @@
             <p:ph idx="1"/>
             <p:extLst>
               <p:ext uri="{D42A27DB-BD31-4B8C-83A1-F6EECF244321}">
-                <p14:modId xmlns:p14="http://schemas.microsoft.com/office/powerpoint/2010/main" val="3807915754"/>
+                <p14:modId xmlns:p14="http://schemas.microsoft.com/office/powerpoint/2010/main" val="4155302753"/>
               </p:ext>
             </p:extLst>
           </p:nvPr>
@@ -3253,8 +3253,37 @@
                     <a:bodyPr/>
                     <a:lstStyle/>
                     <a:p>
-                      <a:pPr algn="ctr"/>
-                      <a:endParaRPr lang="en-AU" sz="3200" dirty="0"/>
+                      <a:pPr marL="0" marR="0" lvl="0" indent="0" algn="ctr" defTabSz="914400" rtl="0" eaLnBrk="1" fontAlgn="auto" latinLnBrk="0" hangingPunct="1">
+                        <a:lnSpc>
+                          <a:spcPct val="100000"/>
+                        </a:lnSpc>
+                        <a:spcBef>
+                          <a:spcPts val="0"/>
+                        </a:spcBef>
+                        <a:spcAft>
+                          <a:spcPts val="0"/>
+                        </a:spcAft>
+                        <a:buClrTx/>
+                        <a:buSzTx/>
+                        <a:buFontTx/>
+                        <a:buNone/>
+                        <a:tabLst/>
+                        <a:defRPr/>
+                      </a:pPr>
+                      <a:r>
+                        <a:rPr lang="en-AU" sz="3200" dirty="0">
+                          <a:solidFill>
+                            <a:schemeClr val="accent6"/>
+                          </a:solidFill>
+                          <a:sym typeface="Wingdings" panose="05000000000000000000" pitchFamily="2" charset="2"/>
+                        </a:rPr>
+                        <a:t></a:t>
+                      </a:r>
+                      <a:endParaRPr lang="en-AU" sz="3200" dirty="0">
+                        <a:solidFill>
+                          <a:schemeClr val="accent6"/>
+                        </a:solidFill>
+                      </a:endParaRPr>
                     </a:p>
                   </a:txBody>
                   <a:tcPr/>
@@ -3310,8 +3339,37 @@
                     <a:bodyPr/>
                     <a:lstStyle/>
                     <a:p>
-                      <a:pPr algn="ctr"/>
-                      <a:endParaRPr lang="en-AU" sz="3200" dirty="0"/>
+                      <a:pPr marL="0" marR="0" lvl="0" indent="0" algn="ctr" defTabSz="914400" rtl="0" eaLnBrk="1" fontAlgn="auto" latinLnBrk="0" hangingPunct="1">
+                        <a:lnSpc>
+                          <a:spcPct val="100000"/>
+                        </a:lnSpc>
+                        <a:spcBef>
+                          <a:spcPts val="0"/>
+                        </a:spcBef>
+                        <a:spcAft>
+                          <a:spcPts val="0"/>
+                        </a:spcAft>
+                        <a:buClrTx/>
+                        <a:buSzTx/>
+                        <a:buFontTx/>
+                        <a:buNone/>
+                        <a:tabLst/>
+                        <a:defRPr/>
+                      </a:pPr>
+                      <a:r>
+                        <a:rPr lang="en-AU" sz="3200" dirty="0">
+                          <a:solidFill>
+                            <a:schemeClr val="accent6"/>
+                          </a:solidFill>
+                          <a:sym typeface="Wingdings" panose="05000000000000000000" pitchFamily="2" charset="2"/>
+                        </a:rPr>
+                        <a:t></a:t>
+                      </a:r>
+                      <a:endParaRPr lang="en-AU" sz="3200" dirty="0">
+                        <a:solidFill>
+                          <a:schemeClr val="accent6"/>
+                        </a:solidFill>
+                      </a:endParaRPr>
                     </a:p>
                   </a:txBody>
                   <a:tcPr/>
@@ -3368,6 +3426,15 @@
                     <a:lstStyle/>
                     <a:p>
                       <a:pPr algn="ctr"/>
+                      <a:r>
+                        <a:rPr lang="en-AU" sz="3200">
+                          <a:solidFill>
+                            <a:schemeClr val="accent6"/>
+                          </a:solidFill>
+                          <a:sym typeface="Wingdings" panose="05000000000000000000" pitchFamily="2" charset="2"/>
+                        </a:rPr>
+                        <a:t></a:t>
+                      </a:r>
                       <a:endParaRPr lang="en-AU" sz="3200" dirty="0"/>
                     </a:p>
                   </a:txBody>
